--- a/4Reel Productions.pptx
+++ b/4Reel Productions.pptx
@@ -5,7 +5,7 @@
     <p:sldMasterId id="2147483659" r:id="rId1"/>
   </p:sldMasterIdLst>
   <p:notesMasterIdLst>
-    <p:notesMasterId r:id="rId18"/>
+    <p:notesMasterId r:id="rId17"/>
   </p:notesMasterIdLst>
   <p:sldIdLst>
     <p:sldId id="256" r:id="rId2"/>
@@ -17,26 +17,25 @@
     <p:sldId id="260" r:id="rId8"/>
     <p:sldId id="282" r:id="rId9"/>
     <p:sldId id="283" r:id="rId10"/>
-    <p:sldId id="284" r:id="rId11"/>
-    <p:sldId id="287" r:id="rId12"/>
-    <p:sldId id="288" r:id="rId13"/>
-    <p:sldId id="289" r:id="rId14"/>
-    <p:sldId id="290" r:id="rId15"/>
-    <p:sldId id="276" r:id="rId16"/>
-    <p:sldId id="280" r:id="rId17"/>
+    <p:sldId id="287" r:id="rId11"/>
+    <p:sldId id="288" r:id="rId12"/>
+    <p:sldId id="289" r:id="rId13"/>
+    <p:sldId id="290" r:id="rId14"/>
+    <p:sldId id="276" r:id="rId15"/>
+    <p:sldId id="280" r:id="rId16"/>
   </p:sldIdLst>
   <p:sldSz cx="18288000" cy="10287000"/>
   <p:notesSz cx="6858000" cy="9144000"/>
   <p:embeddedFontLst>
     <p:embeddedFont>
       <p:font typeface="Asap" panose="020B0604020202020204" charset="0"/>
-      <p:bold r:id="rId19"/>
-      <p:boldItalic r:id="rId20"/>
+      <p:bold r:id="rId18"/>
+      <p:boldItalic r:id="rId19"/>
     </p:embeddedFont>
     <p:embeddedFont>
       <p:font typeface="Rokkitt Black" panose="020B0604020202020204" charset="0"/>
-      <p:bold r:id="rId21"/>
-      <p:boldItalic r:id="rId22"/>
+      <p:bold r:id="rId20"/>
+      <p:boldItalic r:id="rId21"/>
     </p:embeddedFont>
   </p:embeddedFontLst>
   <p:defaultTextStyle>
@@ -931,7 +930,7 @@
     </p:spTree>
     <p:extLst>
       <p:ext uri="{BB962C8B-B14F-4D97-AF65-F5344CB8AC3E}">
-        <p14:creationId xmlns:p14="http://schemas.microsoft.com/office/powerpoint/2010/main" val="2271184797"/>
+        <p14:creationId xmlns:p14="http://schemas.microsoft.com/office/powerpoint/2010/main" val="2660794292"/>
       </p:ext>
     </p:extLst>
   </p:cSld>
@@ -1040,7 +1039,7 @@
     </p:spTree>
     <p:extLst>
       <p:ext uri="{BB962C8B-B14F-4D97-AF65-F5344CB8AC3E}">
-        <p14:creationId xmlns:p14="http://schemas.microsoft.com/office/powerpoint/2010/main" val="2660794292"/>
+        <p14:creationId xmlns:p14="http://schemas.microsoft.com/office/powerpoint/2010/main" val="3530873929"/>
       </p:ext>
     </p:extLst>
   </p:cSld>
@@ -1149,7 +1148,7 @@
     </p:spTree>
     <p:extLst>
       <p:ext uri="{BB962C8B-B14F-4D97-AF65-F5344CB8AC3E}">
-        <p14:creationId xmlns:p14="http://schemas.microsoft.com/office/powerpoint/2010/main" val="3530873929"/>
+        <p14:creationId xmlns:p14="http://schemas.microsoft.com/office/powerpoint/2010/main" val="3590452767"/>
       </p:ext>
     </p:extLst>
   </p:cSld>
@@ -1258,7 +1257,7 @@
     </p:spTree>
     <p:extLst>
       <p:ext uri="{BB962C8B-B14F-4D97-AF65-F5344CB8AC3E}">
-        <p14:creationId xmlns:p14="http://schemas.microsoft.com/office/powerpoint/2010/main" val="3590452767"/>
+        <p14:creationId xmlns:p14="http://schemas.microsoft.com/office/powerpoint/2010/main" val="3175803290"/>
       </p:ext>
     </p:extLst>
   </p:cSld>
@@ -1269,115 +1268,6 @@
 </file>
 
 <file path=ppt/notesSlides/notesSlide14.xml><?xml version="1.0" encoding="utf-8"?>
-<p:notes xmlns:a="http://schemas.openxmlformats.org/drawingml/2006/main" xmlns:r="http://schemas.openxmlformats.org/officeDocument/2006/relationships" xmlns:p="http://schemas.openxmlformats.org/presentationml/2006/main" showMasterSp="0" showMasterPhAnim="0">
-  <p:cSld>
-    <p:spTree>
-      <p:nvGrpSpPr>
-        <p:cNvPr id="1" name="Shape 144"/>
-        <p:cNvGrpSpPr/>
-        <p:nvPr/>
-      </p:nvGrpSpPr>
-      <p:grpSpPr>
-        <a:xfrm>
-          <a:off x="0" y="0"/>
-          <a:ext cx="0" cy="0"/>
-          <a:chOff x="0" y="0"/>
-          <a:chExt cx="0" cy="0"/>
-        </a:xfrm>
-      </p:grpSpPr>
-      <p:sp>
-        <p:nvSpPr>
-          <p:cNvPr id="145" name="Google Shape;145;p5:notes"/>
-          <p:cNvSpPr txBox="1">
-            <a:spLocks noGrp="1"/>
-          </p:cNvSpPr>
-          <p:nvPr>
-            <p:ph type="body" idx="1"/>
-          </p:nvPr>
-        </p:nvSpPr>
-        <p:spPr>
-          <a:xfrm>
-            <a:off x="685800" y="4343400"/>
-            <a:ext cx="5486400" cy="4114800"/>
-          </a:xfrm>
-          <a:prstGeom prst="rect">
-            <a:avLst/>
-          </a:prstGeom>
-        </p:spPr>
-        <p:txBody>
-          <a:bodyPr spcFirstLastPara="1" wrap="square" lIns="91425" tIns="91425" rIns="91425" bIns="91425" anchor="t" anchorCtr="0">
-            <a:noAutofit/>
-          </a:bodyPr>
-          <a:lstStyle/>
-          <a:p>
-            <a:pPr marL="0" lvl="0" indent="0" algn="l" rtl="0">
-              <a:spcBef>
-                <a:spcPts val="0"/>
-              </a:spcBef>
-              <a:spcAft>
-                <a:spcPts val="0"/>
-              </a:spcAft>
-              <a:buNone/>
-            </a:pPr>
-            <a:endParaRPr/>
-          </a:p>
-        </p:txBody>
-      </p:sp>
-      <p:sp>
-        <p:nvSpPr>
-          <p:cNvPr id="146" name="Google Shape;146;p5:notes"/>
-          <p:cNvSpPr>
-            <a:spLocks noGrp="1" noRot="1" noChangeAspect="1"/>
-          </p:cNvSpPr>
-          <p:nvPr>
-            <p:ph type="sldImg" idx="2"/>
-          </p:nvPr>
-        </p:nvSpPr>
-        <p:spPr>
-          <a:xfrm>
-            <a:off x="381000" y="685800"/>
-            <a:ext cx="6096000" cy="3429000"/>
-          </a:xfrm>
-          <a:custGeom>
-            <a:avLst/>
-            <a:gdLst/>
-            <a:ahLst/>
-            <a:cxnLst/>
-            <a:rect l="l" t="t" r="r" b="b"/>
-            <a:pathLst>
-              <a:path w="120000" h="120000" extrusionOk="0">
-                <a:moveTo>
-                  <a:pt x="0" y="0"/>
-                </a:moveTo>
-                <a:lnTo>
-                  <a:pt x="120000" y="0"/>
-                </a:lnTo>
-                <a:lnTo>
-                  <a:pt x="120000" y="120000"/>
-                </a:lnTo>
-                <a:lnTo>
-                  <a:pt x="0" y="120000"/>
-                </a:lnTo>
-                <a:close/>
-              </a:path>
-            </a:pathLst>
-          </a:custGeom>
-        </p:spPr>
-      </p:sp>
-    </p:spTree>
-    <p:extLst>
-      <p:ext uri="{BB962C8B-B14F-4D97-AF65-F5344CB8AC3E}">
-        <p14:creationId xmlns:p14="http://schemas.microsoft.com/office/powerpoint/2010/main" val="3175803290"/>
-      </p:ext>
-    </p:extLst>
-  </p:cSld>
-  <p:clrMapOvr>
-    <a:masterClrMapping/>
-  </p:clrMapOvr>
-</p:notes>
-</file>
-
-<file path=ppt/notesSlides/notesSlide15.xml><?xml version="1.0" encoding="utf-8"?>
 <p:notes xmlns:a="http://schemas.openxmlformats.org/drawingml/2006/main" xmlns:r="http://schemas.openxmlformats.org/officeDocument/2006/relationships" xmlns:p="http://schemas.openxmlformats.org/presentationml/2006/main" showMasterSp="0" showMasterPhAnim="0">
   <p:cSld>
     <p:spTree>
@@ -1481,7 +1371,7 @@
 </p:notes>
 </file>
 
-<file path=ppt/notesSlides/notesSlide16.xml><?xml version="1.0" encoding="utf-8"?>
+<file path=ppt/notesSlides/notesSlide15.xml><?xml version="1.0" encoding="utf-8"?>
 <p:notes xmlns:a="http://schemas.openxmlformats.org/drawingml/2006/main" xmlns:r="http://schemas.openxmlformats.org/officeDocument/2006/relationships" xmlns:p="http://schemas.openxmlformats.org/presentationml/2006/main" showMasterSp="0" showMasterPhAnim="0">
   <p:cSld>
     <p:spTree>
@@ -13047,362 +12937,6 @@
         </p:blipFill>
         <p:spPr>
           <a:xfrm>
-            <a:off x="1050057" y="2268144"/>
-            <a:ext cx="8535506" cy="6674904"/>
-          </a:xfrm>
-          <a:prstGeom prst="rect">
-            <a:avLst/>
-          </a:prstGeom>
-        </p:spPr>
-      </p:pic>
-      <p:sp>
-        <p:nvSpPr>
-          <p:cNvPr id="13" name="TextBox 12">
-            <a:extLst>
-              <a:ext uri="{FF2B5EF4-FFF2-40B4-BE49-F238E27FC236}">
-                <a16:creationId xmlns:a16="http://schemas.microsoft.com/office/drawing/2014/main" id="{684B7EE9-142A-0255-B4D8-AF62E95437AB}"/>
-              </a:ext>
-            </a:extLst>
-          </p:cNvPr>
-          <p:cNvSpPr txBox="1"/>
-          <p:nvPr/>
-        </p:nvSpPr>
-        <p:spPr>
-          <a:xfrm>
-            <a:off x="10621108" y="3414943"/>
-            <a:ext cx="6381260" cy="4893647"/>
-          </a:xfrm>
-          <a:prstGeom prst="rect">
-            <a:avLst/>
-          </a:prstGeom>
-          <a:noFill/>
-        </p:spPr>
-        <p:txBody>
-          <a:bodyPr wrap="square">
-            <a:spAutoFit/>
-          </a:bodyPr>
-          <a:lstStyle/>
-          <a:p>
-            <a:pPr algn="ctr"/>
-            <a:r>
-              <a:rPr lang="en-US" sz="2400" dirty="0">
-                <a:latin typeface="Rokkitt Black" panose="020B0604020202020204" charset="0"/>
-              </a:rPr>
-              <a:t>Accuracy testing in machine learning is a metric that evaluates how often a machine learning model correctly predicts an outcome. It's calculated by dividing the number of correct predictions by the total number of predictions. A higher accuracy indicates better model performance, but it can be misleading in some cases. For example, if a data set is imbalanced, a model that always predicts the same class could have an accuracy of 95% even if it's not useful. In these cases, other evaluation metrics like F1 score, precision, and recall can be used.</a:t>
-            </a:r>
-          </a:p>
-        </p:txBody>
-      </p:sp>
-      <p:sp>
-        <p:nvSpPr>
-          <p:cNvPr id="14" name="TextBox 13">
-            <a:extLst>
-              <a:ext uri="{FF2B5EF4-FFF2-40B4-BE49-F238E27FC236}">
-                <a16:creationId xmlns:a16="http://schemas.microsoft.com/office/drawing/2014/main" id="{EC987F9A-F5C1-2720-C716-4ABF6B2DF22E}"/>
-              </a:ext>
-            </a:extLst>
-          </p:cNvPr>
-          <p:cNvSpPr txBox="1"/>
-          <p:nvPr/>
-        </p:nvSpPr>
-        <p:spPr>
-          <a:xfrm>
-            <a:off x="2095889" y="1343952"/>
-            <a:ext cx="6381260" cy="830997"/>
-          </a:xfrm>
-          <a:prstGeom prst="rect">
-            <a:avLst/>
-          </a:prstGeom>
-          <a:noFill/>
-        </p:spPr>
-        <p:txBody>
-          <a:bodyPr wrap="square">
-            <a:spAutoFit/>
-          </a:bodyPr>
-          <a:lstStyle/>
-          <a:p>
-            <a:pPr algn="ctr"/>
-            <a:r>
-              <a:rPr lang="en-US" sz="2400" dirty="0">
-                <a:latin typeface="Rokkitt Black" panose="020B0604020202020204" charset="0"/>
-              </a:rPr>
-              <a:t>After the third ML run, we completed accuracy testing of the data frame.</a:t>
-            </a:r>
-          </a:p>
-        </p:txBody>
-      </p:sp>
-    </p:spTree>
-    <p:extLst>
-      <p:ext uri="{BB962C8B-B14F-4D97-AF65-F5344CB8AC3E}">
-        <p14:creationId xmlns:p14="http://schemas.microsoft.com/office/powerpoint/2010/main" val="3143155761"/>
-      </p:ext>
-    </p:extLst>
-  </p:cSld>
-  <p:clrMapOvr>
-    <a:masterClrMapping/>
-  </p:clrMapOvr>
-</p:sld>
-</file>
-
-<file path=ppt/slides/slide11.xml><?xml version="1.0" encoding="utf-8"?>
-<p:sld xmlns:a="http://schemas.openxmlformats.org/drawingml/2006/main" xmlns:r="http://schemas.openxmlformats.org/officeDocument/2006/relationships" xmlns:p="http://schemas.openxmlformats.org/presentationml/2006/main">
-  <p:cSld>
-    <p:bg>
-      <p:bgPr>
-        <a:solidFill>
-          <a:srgbClr val="F1E3C3"/>
-        </a:solidFill>
-        <a:effectLst/>
-      </p:bgPr>
-    </p:bg>
-    <p:spTree>
-      <p:nvGrpSpPr>
-        <p:cNvPr id="1" name="Shape 147"/>
-        <p:cNvGrpSpPr/>
-        <p:nvPr/>
-      </p:nvGrpSpPr>
-      <p:grpSpPr>
-        <a:xfrm>
-          <a:off x="0" y="0"/>
-          <a:ext cx="0" cy="0"/>
-          <a:chOff x="0" y="0"/>
-          <a:chExt cx="0" cy="0"/>
-        </a:xfrm>
-      </p:grpSpPr>
-      <p:grpSp>
-        <p:nvGrpSpPr>
-          <p:cNvPr id="148" name="Google Shape;148;p17"/>
-          <p:cNvGrpSpPr/>
-          <p:nvPr/>
-        </p:nvGrpSpPr>
-        <p:grpSpPr>
-          <a:xfrm>
-            <a:off x="552839" y="66849"/>
-            <a:ext cx="17182322" cy="10007182"/>
-            <a:chOff x="0" y="-19050"/>
-            <a:chExt cx="4525385" cy="2450531"/>
-          </a:xfrm>
-        </p:grpSpPr>
-        <p:sp>
-          <p:nvSpPr>
-            <p:cNvPr id="149" name="Google Shape;149;p17"/>
-            <p:cNvSpPr/>
-            <p:nvPr/>
-          </p:nvSpPr>
-          <p:spPr>
-            <a:xfrm>
-              <a:off x="0" y="0"/>
-              <a:ext cx="4525385" cy="2431481"/>
-            </a:xfrm>
-            <a:custGeom>
-              <a:avLst/>
-              <a:gdLst/>
-              <a:ahLst/>
-              <a:cxnLst/>
-              <a:rect l="l" t="t" r="r" b="b"/>
-              <a:pathLst>
-                <a:path w="4525385" h="2431481" extrusionOk="0">
-                  <a:moveTo>
-                    <a:pt x="4445967" y="0"/>
-                  </a:moveTo>
-                  <a:lnTo>
-                    <a:pt x="79418" y="0"/>
-                  </a:lnTo>
-                  <a:cubicBezTo>
-                    <a:pt x="79418" y="43699"/>
-                    <a:pt x="44079" y="79418"/>
-                    <a:pt x="0" y="79418"/>
-                  </a:cubicBezTo>
-                  <a:lnTo>
-                    <a:pt x="0" y="2352062"/>
-                  </a:lnTo>
-                  <a:cubicBezTo>
-                    <a:pt x="43699" y="2352062"/>
-                    <a:pt x="79418" y="2387401"/>
-                    <a:pt x="79418" y="2431481"/>
-                  </a:cubicBezTo>
-                  <a:lnTo>
-                    <a:pt x="4445967" y="2431481"/>
-                  </a:lnTo>
-                  <a:cubicBezTo>
-                    <a:pt x="4445967" y="2387781"/>
-                    <a:pt x="4481306" y="2352062"/>
-                    <a:pt x="4525385" y="2352062"/>
-                  </a:cubicBezTo>
-                  <a:lnTo>
-                    <a:pt x="4525385" y="79418"/>
-                  </a:lnTo>
-                  <a:cubicBezTo>
-                    <a:pt x="4481686" y="79418"/>
-                    <a:pt x="4445967" y="44079"/>
-                    <a:pt x="4445967" y="0"/>
-                  </a:cubicBezTo>
-                  <a:close/>
-                </a:path>
-              </a:pathLst>
-            </a:custGeom>
-            <a:solidFill>
-              <a:srgbClr val="FFF3D7"/>
-            </a:solidFill>
-            <a:ln w="38100" cap="flat" cmpd="sng">
-              <a:solidFill>
-                <a:srgbClr val="C69E56"/>
-              </a:solidFill>
-              <a:prstDash val="solid"/>
-              <a:round/>
-              <a:headEnd type="none" w="sm" len="sm"/>
-              <a:tailEnd type="none" w="sm" len="sm"/>
-            </a:ln>
-          </p:spPr>
-          <p:txBody>
-            <a:bodyPr spcFirstLastPara="1" wrap="square" lIns="91425" tIns="91425" rIns="91425" bIns="91425" anchor="ctr" anchorCtr="0">
-              <a:noAutofit/>
-            </a:bodyPr>
-            <a:lstStyle/>
-            <a:p>
-              <a:pPr marL="0" lvl="0" indent="0" algn="l" rtl="0">
-                <a:spcBef>
-                  <a:spcPts val="0"/>
-                </a:spcBef>
-                <a:spcAft>
-                  <a:spcPts val="0"/>
-                </a:spcAft>
-                <a:buNone/>
-              </a:pPr>
-              <a:endParaRPr/>
-            </a:p>
-          </p:txBody>
-        </p:sp>
-        <p:sp>
-          <p:nvSpPr>
-            <p:cNvPr id="150" name="Google Shape;150;p17"/>
-            <p:cNvSpPr txBox="1"/>
-            <p:nvPr/>
-          </p:nvSpPr>
-          <p:spPr>
-            <a:xfrm>
-              <a:off x="38100" y="-19050"/>
-              <a:ext cx="736600" cy="793750"/>
-            </a:xfrm>
-            <a:prstGeom prst="rect">
-              <a:avLst/>
-            </a:prstGeom>
-            <a:noFill/>
-            <a:ln>
-              <a:noFill/>
-            </a:ln>
-          </p:spPr>
-          <p:txBody>
-            <a:bodyPr spcFirstLastPara="1" wrap="square" lIns="50800" tIns="50800" rIns="50800" bIns="50800" anchor="ctr" anchorCtr="0">
-              <a:noAutofit/>
-            </a:bodyPr>
-            <a:lstStyle/>
-            <a:p>
-              <a:pPr marL="0" marR="0" lvl="0" indent="0" algn="ctr" rtl="0">
-                <a:lnSpc>
-                  <a:spcPct val="178888"/>
-                </a:lnSpc>
-                <a:spcBef>
-                  <a:spcPts val="0"/>
-                </a:spcBef>
-                <a:spcAft>
-                  <a:spcPts val="0"/>
-                </a:spcAft>
-                <a:buNone/>
-              </a:pPr>
-              <a:endParaRPr sz="1800" b="0" i="0" u="none" strike="noStrike" cap="none">
-                <a:solidFill>
-                  <a:schemeClr val="dk1"/>
-                </a:solidFill>
-                <a:latin typeface="Calibri"/>
-                <a:ea typeface="Calibri"/>
-                <a:cs typeface="Calibri"/>
-                <a:sym typeface="Calibri"/>
-              </a:endParaRPr>
-            </a:p>
-          </p:txBody>
-        </p:sp>
-      </p:grpSp>
-      <p:sp>
-        <p:nvSpPr>
-          <p:cNvPr id="167" name="Google Shape;167;p17"/>
-          <p:cNvSpPr/>
-          <p:nvPr/>
-        </p:nvSpPr>
-        <p:spPr>
-          <a:xfrm rot="1017647">
-            <a:off x="15403335" y="465786"/>
-            <a:ext cx="3004711" cy="1808234"/>
-          </a:xfrm>
-          <a:custGeom>
-            <a:avLst/>
-            <a:gdLst/>
-            <a:ahLst/>
-            <a:cxnLst/>
-            <a:rect l="l" t="t" r="r" b="b"/>
-            <a:pathLst>
-              <a:path w="4243461" h="2330046" extrusionOk="0">
-                <a:moveTo>
-                  <a:pt x="0" y="0"/>
-                </a:moveTo>
-                <a:lnTo>
-                  <a:pt x="4243460" y="0"/>
-                </a:lnTo>
-                <a:lnTo>
-                  <a:pt x="4243460" y="2330046"/>
-                </a:lnTo>
-                <a:lnTo>
-                  <a:pt x="0" y="2330046"/>
-                </a:lnTo>
-                <a:lnTo>
-                  <a:pt x="0" y="0"/>
-                </a:lnTo>
-                <a:close/>
-              </a:path>
-            </a:pathLst>
-          </a:custGeom>
-          <a:blipFill rotWithShape="1">
-            <a:blip r:embed="rId3">
-              <a:alphaModFix/>
-            </a:blip>
-            <a:stretch>
-              <a:fillRect/>
-            </a:stretch>
-          </a:blipFill>
-          <a:ln>
-            <a:noFill/>
-          </a:ln>
-        </p:spPr>
-        <p:txBody>
-          <a:bodyPr/>
-          <a:lstStyle/>
-          <a:p>
-            <a:endParaRPr lang="en-US"/>
-          </a:p>
-        </p:txBody>
-      </p:sp>
-      <p:pic>
-        <p:nvPicPr>
-          <p:cNvPr id="11" name="Picture 10">
-            <a:extLst>
-              <a:ext uri="{FF2B5EF4-FFF2-40B4-BE49-F238E27FC236}">
-                <a16:creationId xmlns:a16="http://schemas.microsoft.com/office/drawing/2014/main" id="{CE236CED-4850-9519-7BA7-EFDF9E835CC8}"/>
-              </a:ext>
-            </a:extLst>
-          </p:cNvPr>
-          <p:cNvPicPr>
-            <a:picLocks noChangeAspect="1"/>
-          </p:cNvPicPr>
-          <p:nvPr/>
-        </p:nvPicPr>
-        <p:blipFill>
-          <a:blip r:embed="rId4"/>
-          <a:stretch>
-            <a:fillRect/>
-          </a:stretch>
-        </p:blipFill>
-        <p:spPr>
-          <a:xfrm>
             <a:off x="1737021" y="1502887"/>
             <a:ext cx="7735985" cy="6049666"/>
           </a:xfrm>
@@ -13509,7 +13043,7 @@
         </p:blipFill>
         <p:spPr>
           <a:xfrm>
-            <a:off x="1737021" y="7737047"/>
+            <a:off x="3331359" y="7914431"/>
             <a:ext cx="5069578" cy="1797721"/>
           </a:xfrm>
           <a:prstGeom prst="rect">
@@ -13517,6 +13051,44 @@
           </a:prstGeom>
         </p:spPr>
       </p:pic>
+      <p:sp>
+        <p:nvSpPr>
+          <p:cNvPr id="2" name="TextBox 1">
+            <a:extLst>
+              <a:ext uri="{FF2B5EF4-FFF2-40B4-BE49-F238E27FC236}">
+                <a16:creationId xmlns:a16="http://schemas.microsoft.com/office/drawing/2014/main" id="{5AD45167-E6DB-B3C4-9D19-2D5514B33895}"/>
+              </a:ext>
+            </a:extLst>
+          </p:cNvPr>
+          <p:cNvSpPr txBox="1"/>
+          <p:nvPr/>
+        </p:nvSpPr>
+        <p:spPr>
+          <a:xfrm>
+            <a:off x="6110107" y="8449132"/>
+            <a:ext cx="7406979" cy="461665"/>
+          </a:xfrm>
+          <a:prstGeom prst="rect">
+            <a:avLst/>
+          </a:prstGeom>
+          <a:noFill/>
+        </p:spPr>
+        <p:txBody>
+          <a:bodyPr wrap="square">
+            <a:spAutoFit/>
+          </a:bodyPr>
+          <a:lstStyle/>
+          <a:p>
+            <a:pPr algn="ctr"/>
+            <a:r>
+              <a:rPr lang="en-US" sz="2400" dirty="0">
+                <a:latin typeface="Rokkitt Black" panose="020B0604020202020204" charset="0"/>
+              </a:rPr>
+              <a:t>Optimization results</a:t>
+            </a:r>
+          </a:p>
+        </p:txBody>
+      </p:sp>
     </p:spTree>
     <p:extLst>
       <p:ext uri="{BB962C8B-B14F-4D97-AF65-F5344CB8AC3E}">
@@ -13530,7 +13102,7 @@
 </p:sld>
 </file>
 
-<file path=ppt/slides/slide12.xml><?xml version="1.0" encoding="utf-8"?>
+<file path=ppt/slides/slide11.xml><?xml version="1.0" encoding="utf-8"?>
 <p:sld xmlns:a="http://schemas.openxmlformats.org/drawingml/2006/main" xmlns:r="http://schemas.openxmlformats.org/officeDocument/2006/relationships" xmlns:p="http://schemas.openxmlformats.org/presentationml/2006/main">
   <p:cSld>
     <p:bg>
@@ -14010,7 +13582,7 @@
 </p:sld>
 </file>
 
-<file path=ppt/slides/slide13.xml><?xml version="1.0" encoding="utf-8"?>
+<file path=ppt/slides/slide12.xml><?xml version="1.0" encoding="utf-8"?>
 <p:sld xmlns:a="http://schemas.openxmlformats.org/drawingml/2006/main" xmlns:r="http://schemas.openxmlformats.org/officeDocument/2006/relationships" xmlns:p="http://schemas.openxmlformats.org/presentationml/2006/main">
   <p:cSld>
     <p:bg>
@@ -14435,7 +14007,7 @@
 </p:sld>
 </file>
 
-<file path=ppt/slides/slide14.xml><?xml version="1.0" encoding="utf-8"?>
+<file path=ppt/slides/slide13.xml><?xml version="1.0" encoding="utf-8"?>
 <p:sld xmlns:a="http://schemas.openxmlformats.org/drawingml/2006/main" xmlns:r="http://schemas.openxmlformats.org/officeDocument/2006/relationships" xmlns:p="http://schemas.openxmlformats.org/presentationml/2006/main">
   <p:cSld>
     <p:bg>
@@ -15015,7 +14587,7 @@
 </p:sld>
 </file>
 
-<file path=ppt/slides/slide15.xml><?xml version="1.0" encoding="utf-8"?>
+<file path=ppt/slides/slide14.xml><?xml version="1.0" encoding="utf-8"?>
 <p:sld xmlns:a="http://schemas.openxmlformats.org/drawingml/2006/main" xmlns:r="http://schemas.openxmlformats.org/officeDocument/2006/relationships" xmlns:p="http://schemas.openxmlformats.org/presentationml/2006/main">
   <p:cSld>
     <p:bg>
@@ -15656,7 +15228,7 @@
 </p:sld>
 </file>
 
-<file path=ppt/slides/slide16.xml><?xml version="1.0" encoding="utf-8"?>
+<file path=ppt/slides/slide15.xml><?xml version="1.0" encoding="utf-8"?>
 <p:sld xmlns:a="http://schemas.openxmlformats.org/drawingml/2006/main" xmlns:r="http://schemas.openxmlformats.org/officeDocument/2006/relationships" xmlns:p="http://schemas.openxmlformats.org/presentationml/2006/main">
   <p:cSld>
     <p:bg>

--- a/4Reel Productions.pptx
+++ b/4Reel Productions.pptx
@@ -12654,7 +12654,7 @@
                 <a:latin typeface="Asap"/>
                 <a:sym typeface="Asap"/>
               </a:rPr>
-              <a:t>Sheneice</a:t>
+              <a:t>Sheniece</a:t>
             </a:r>
             <a:r>
               <a:rPr lang="en-US" sz="2400" b="1" dirty="0">
@@ -15189,19 +15189,19 @@
               <a:rPr lang="en-US" sz="2400" dirty="0">
                 <a:latin typeface="Rokkitt Black" panose="020B0604020202020204" charset="0"/>
               </a:rPr>
-              <a:t>If our data contained additional details such as race or revenue by state/city, the process may have been less frustrating.  But it could also be said that this particular dataset </a:t>
+              <a:t>If our data contained additional details such as race or revenue by state/city, the process may have been less frustrating.  But it could also be said that this particular </a:t>
             </a:r>
             <a:r>
-              <a:rPr lang="en-US" sz="2400" dirty="0" err="1">
+              <a:rPr lang="en-US" sz="2400">
                 <a:latin typeface="Rokkitt Black" panose="020B0604020202020204" charset="0"/>
               </a:rPr>
-              <a:t>topice</a:t>
+              <a:t>dataset topic </a:t>
             </a:r>
             <a:r>
               <a:rPr lang="en-US" sz="2400" dirty="0">
                 <a:latin typeface="Rokkitt Black" panose="020B0604020202020204" charset="0"/>
               </a:rPr>
-              <a:t> may not be capable of providing true predictive data compared to a topic such as real estate.</a:t>
+              <a:t>may not be capable of providing true predictive data compared to a topic such as real estate.</a:t>
             </a:r>
             <a:endParaRPr kumimoji="0" lang="en-US" sz="2400" b="0" i="0" u="none" strike="noStrike" kern="0" cap="none" spc="0" normalizeH="0" baseline="0" noProof="0" dirty="0">
               <a:ln>
